--- a/PPT/string.pptx
+++ b/PPT/string.pptx
@@ -5,7 +5,7 @@
     <p:sldMasterId id="2147483660" r:id="rId1"/>
   </p:sldMasterIdLst>
   <p:notesMasterIdLst>
-    <p:notesMasterId r:id="rId8"/>
+    <p:notesMasterId r:id="rId9"/>
   </p:notesMasterIdLst>
   <p:sldIdLst>
     <p:sldId id="256" r:id="rId2"/>
@@ -14,6 +14,7 @@
     <p:sldId id="259" r:id="rId5"/>
     <p:sldId id="260" r:id="rId6"/>
     <p:sldId id="261" r:id="rId7"/>
+    <p:sldId id="262" r:id="rId8"/>
   </p:sldIdLst>
   <p:sldSz cx="9144000" cy="6858000" type="screen4x3"/>
   <p:notesSz cx="6858000" cy="9144000"/>
@@ -4509,7 +4510,7 @@
               <a:t>func</a:t>
             </a:r>
             <a:r>
-              <a:rPr lang="en-US" smtClean="0"/>
+              <a:rPr lang="en-US" dirty="0" smtClean="0"/>
               <a:t> observation</a:t>
             </a:r>
             <a:endParaRPr lang="en-US" dirty="0"/>
@@ -5077,6 +5078,146 @@
     <p:extLst>
       <p:ext uri="{BB962C8B-B14F-4D97-AF65-F5344CB8AC3E}">
         <p14:creationId xmlns:p14="http://schemas.microsoft.com/office/powerpoint/2010/main" val="56451603"/>
+      </p:ext>
+    </p:extLst>
+  </p:cSld>
+  <p:clrMapOvr>
+    <a:masterClrMapping/>
+  </p:clrMapOvr>
+</p:sld>
+</file>
+
+<file path=ppt/slides/slide7.xml><?xml version="1.0" encoding="utf-8"?>
+<p:sld xmlns:a="http://schemas.openxmlformats.org/drawingml/2006/main" xmlns:r="http://schemas.openxmlformats.org/officeDocument/2006/relationships" xmlns:p="http://schemas.openxmlformats.org/presentationml/2006/main">
+  <p:cSld>
+    <p:spTree>
+      <p:nvGrpSpPr>
+        <p:cNvPr id="1" name=""/>
+        <p:cNvGrpSpPr/>
+        <p:nvPr/>
+      </p:nvGrpSpPr>
+      <p:grpSpPr>
+        <a:xfrm>
+          <a:off x="0" y="0"/>
+          <a:ext cx="0" cy="0"/>
+          <a:chOff x="0" y="0"/>
+          <a:chExt cx="0" cy="0"/>
+        </a:xfrm>
+      </p:grpSpPr>
+      <p:sp>
+        <p:nvSpPr>
+          <p:cNvPr id="2" name="Title 1"/>
+          <p:cNvSpPr>
+            <a:spLocks noGrp="1"/>
+          </p:cNvSpPr>
+          <p:nvPr>
+            <p:ph type="title"/>
+          </p:nvPr>
+        </p:nvSpPr>
+        <p:spPr/>
+        <p:txBody>
+          <a:bodyPr/>
+          <a:lstStyle/>
+          <a:p>
+            <a:r>
+              <a:rPr lang="en-US" dirty="0" smtClean="0"/>
+              <a:t>String functions</a:t>
+            </a:r>
+            <a:endParaRPr lang="en-US" dirty="0"/>
+          </a:p>
+        </p:txBody>
+      </p:sp>
+      <p:sp>
+        <p:nvSpPr>
+          <p:cNvPr id="3" name="Content Placeholder 2"/>
+          <p:cNvSpPr>
+            <a:spLocks noGrp="1"/>
+          </p:cNvSpPr>
+          <p:nvPr>
+            <p:ph idx="1"/>
+          </p:nvPr>
+        </p:nvSpPr>
+        <p:spPr/>
+        <p:txBody>
+          <a:bodyPr/>
+          <a:lstStyle/>
+          <a:p>
+            <a:r>
+              <a:rPr lang="en-US" dirty="0" err="1" smtClean="0"/>
+              <a:t>Strlen</a:t>
+            </a:r>
+            <a:r>
+              <a:rPr lang="en-US" dirty="0" smtClean="0"/>
+              <a:t>()</a:t>
+            </a:r>
+          </a:p>
+          <a:p>
+            <a:r>
+              <a:rPr lang="en-US" dirty="0" err="1" smtClean="0"/>
+              <a:t>Strcpy</a:t>
+            </a:r>
+            <a:r>
+              <a:rPr lang="en-US" dirty="0" smtClean="0"/>
+              <a:t>()</a:t>
+            </a:r>
+          </a:p>
+          <a:p>
+            <a:r>
+              <a:rPr lang="en-US" dirty="0" err="1" smtClean="0"/>
+              <a:t>Strcat</a:t>
+            </a:r>
+            <a:r>
+              <a:rPr lang="en-US" dirty="0" smtClean="0"/>
+              <a:t>()</a:t>
+            </a:r>
+          </a:p>
+          <a:p>
+            <a:r>
+              <a:rPr lang="en-US" dirty="0" err="1" smtClean="0"/>
+              <a:t>Strcmp</a:t>
+            </a:r>
+            <a:r>
+              <a:rPr lang="en-US" dirty="0" smtClean="0"/>
+              <a:t>()</a:t>
+            </a:r>
+          </a:p>
+          <a:p>
+            <a:r>
+              <a:rPr lang="en-US" dirty="0" err="1" smtClean="0"/>
+              <a:t>Strrev</a:t>
+            </a:r>
+            <a:r>
+              <a:rPr lang="en-US" dirty="0" smtClean="0"/>
+              <a:t>()</a:t>
+            </a:r>
+          </a:p>
+          <a:p>
+            <a:r>
+              <a:rPr lang="en-US" dirty="0" err="1" smtClean="0"/>
+              <a:t>Strupr</a:t>
+            </a:r>
+            <a:r>
+              <a:rPr lang="en-US" dirty="0" smtClean="0"/>
+              <a:t>()</a:t>
+            </a:r>
+          </a:p>
+          <a:p>
+            <a:r>
+              <a:rPr lang="en-US" dirty="0" err="1" smtClean="0"/>
+              <a:t>Strlwr</a:t>
+            </a:r>
+            <a:r>
+              <a:rPr lang="en-US" dirty="0" smtClean="0"/>
+              <a:t>()</a:t>
+            </a:r>
+            <a:endParaRPr lang="en-US" dirty="0"/>
+          </a:p>
+        </p:txBody>
+      </p:sp>
+    </p:spTree>
+    <p:extLst>
+      <p:ext uri="{BB962C8B-B14F-4D97-AF65-F5344CB8AC3E}">
+        <p14:creationId xmlns:p14="http://schemas.microsoft.com/office/powerpoint/2010/main" val="3375030607"/>
       </p:ext>
     </p:extLst>
   </p:cSld>

--- a/PPT/string.pptx
+++ b/PPT/string.pptx
@@ -5,7 +5,7 @@
     <p:sldMasterId id="2147483660" r:id="rId1"/>
   </p:sldMasterIdLst>
   <p:notesMasterIdLst>
-    <p:notesMasterId r:id="rId9"/>
+    <p:notesMasterId r:id="rId12"/>
   </p:notesMasterIdLst>
   <p:sldIdLst>
     <p:sldId id="256" r:id="rId2"/>
@@ -15,6 +15,9 @@
     <p:sldId id="260" r:id="rId6"/>
     <p:sldId id="261" r:id="rId7"/>
     <p:sldId id="262" r:id="rId8"/>
+    <p:sldId id="264" r:id="rId9"/>
+    <p:sldId id="265" r:id="rId10"/>
+    <p:sldId id="263" r:id="rId11"/>
   </p:sldIdLst>
   <p:sldSz cx="9144000" cy="6858000" type="screen4x3"/>
   <p:notesSz cx="6858000" cy="9144000"/>
@@ -198,7 +201,7 @@
           <a:p>
             <a:fld id="{C1B8E64C-0EDD-4C93-95A2-E8C52A5645D1}" type="datetimeFigureOut">
               <a:rPr lang="en-US" smtClean="0"/>
-              <a:t>12-Nov-20</a:t>
+              <a:t>16-Nov-20</a:t>
             </a:fld>
             <a:endParaRPr lang="en-US"/>
           </a:p>
@@ -578,7 +581,7 @@
             <a:fld id="{1D8BD707-D9CF-40AE-B4C6-C98DA3205C09}" type="datetimeFigureOut">
               <a:rPr lang="en-US" smtClean="0"/>
               <a:pPr/>
-              <a:t>12-Nov-20</a:t>
+              <a:t>16-Nov-20</a:t>
             </a:fld>
             <a:endParaRPr lang="en-US"/>
           </a:p>
@@ -806,7 +809,7 @@
             <a:fld id="{1D8BD707-D9CF-40AE-B4C6-C98DA3205C09}" type="datetimeFigureOut">
               <a:rPr lang="en-US" smtClean="0"/>
               <a:pPr/>
-              <a:t>12-Nov-20</a:t>
+              <a:t>16-Nov-20</a:t>
             </a:fld>
             <a:endParaRPr lang="en-US"/>
           </a:p>
@@ -983,7 +986,7 @@
             <a:fld id="{1D8BD707-D9CF-40AE-B4C6-C98DA3205C09}" type="datetimeFigureOut">
               <a:rPr lang="en-US" smtClean="0"/>
               <a:pPr/>
-              <a:t>12-Nov-20</a:t>
+              <a:t>16-Nov-20</a:t>
             </a:fld>
             <a:endParaRPr lang="en-US"/>
           </a:p>
@@ -1150,7 +1153,7 @@
             <a:fld id="{1D8BD707-D9CF-40AE-B4C6-C98DA3205C09}" type="datetimeFigureOut">
               <a:rPr lang="en-US" smtClean="0"/>
               <a:pPr/>
-              <a:t>12-Nov-20</a:t>
+              <a:t>16-Nov-20</a:t>
             </a:fld>
             <a:endParaRPr lang="en-US"/>
           </a:p>
@@ -1396,7 +1399,7 @@
             <a:fld id="{1D8BD707-D9CF-40AE-B4C6-C98DA3205C09}" type="datetimeFigureOut">
               <a:rPr lang="en-US" smtClean="0"/>
               <a:pPr/>
-              <a:t>12-Nov-20</a:t>
+              <a:t>16-Nov-20</a:t>
             </a:fld>
             <a:endParaRPr lang="en-US"/>
           </a:p>
@@ -1662,7 +1665,7 @@
             <a:fld id="{1D8BD707-D9CF-40AE-B4C6-C98DA3205C09}" type="datetimeFigureOut">
               <a:rPr lang="en-US" smtClean="0"/>
               <a:pPr/>
-              <a:t>12-Nov-20</a:t>
+              <a:t>16-Nov-20</a:t>
             </a:fld>
             <a:endParaRPr lang="en-US"/>
           </a:p>
@@ -2038,7 +2041,7 @@
             <a:fld id="{1D8BD707-D9CF-40AE-B4C6-C98DA3205C09}" type="datetimeFigureOut">
               <a:rPr lang="en-US" smtClean="0"/>
               <a:pPr/>
-              <a:t>12-Nov-20</a:t>
+              <a:t>16-Nov-20</a:t>
             </a:fld>
             <a:endParaRPr lang="en-US"/>
           </a:p>
@@ -2153,7 +2156,7 @@
             <a:fld id="{1D8BD707-D9CF-40AE-B4C6-C98DA3205C09}" type="datetimeFigureOut">
               <a:rPr lang="en-US" smtClean="0"/>
               <a:pPr/>
-              <a:t>12-Nov-20</a:t>
+              <a:t>16-Nov-20</a:t>
             </a:fld>
             <a:endParaRPr lang="en-US"/>
           </a:p>
@@ -2245,7 +2248,7 @@
             <a:fld id="{1D8BD707-D9CF-40AE-B4C6-C98DA3205C09}" type="datetimeFigureOut">
               <a:rPr lang="en-US" smtClean="0"/>
               <a:pPr/>
-              <a:t>12-Nov-20</a:t>
+              <a:t>16-Nov-20</a:t>
             </a:fld>
             <a:endParaRPr lang="en-US"/>
           </a:p>
@@ -2505,7 +2508,7 @@
             <a:fld id="{1D8BD707-D9CF-40AE-B4C6-C98DA3205C09}" type="datetimeFigureOut">
               <a:rPr lang="en-US" smtClean="0"/>
               <a:pPr/>
-              <a:t>12-Nov-20</a:t>
+              <a:t>16-Nov-20</a:t>
             </a:fld>
             <a:endParaRPr lang="en-US"/>
           </a:p>
@@ -2771,7 +2774,7 @@
             <a:fld id="{1D8BD707-D9CF-40AE-B4C6-C98DA3205C09}" type="datetimeFigureOut">
               <a:rPr lang="en-US" smtClean="0"/>
               <a:pPr/>
-              <a:t>12-Nov-20</a:t>
+              <a:t>16-Nov-20</a:t>
             </a:fld>
             <a:endParaRPr lang="en-US"/>
           </a:p>
@@ -2990,7 +2993,7 @@
             <a:fld id="{1D8BD707-D9CF-40AE-B4C6-C98DA3205C09}" type="datetimeFigureOut">
               <a:rPr lang="en-US" smtClean="0"/>
               <a:pPr/>
-              <a:t>12-Nov-20</a:t>
+              <a:t>16-Nov-20</a:t>
             </a:fld>
             <a:endParaRPr lang="en-US"/>
           </a:p>
@@ -3464,6 +3467,287 @@
 </p:sld>
 </file>
 
+<file path=ppt/slides/slide10.xml><?xml version="1.0" encoding="utf-8"?>
+<p:sld xmlns:a="http://schemas.openxmlformats.org/drawingml/2006/main" xmlns:r="http://schemas.openxmlformats.org/officeDocument/2006/relationships" xmlns:p="http://schemas.openxmlformats.org/presentationml/2006/main">
+  <p:cSld>
+    <p:spTree>
+      <p:nvGrpSpPr>
+        <p:cNvPr id="1" name=""/>
+        <p:cNvGrpSpPr/>
+        <p:nvPr/>
+      </p:nvGrpSpPr>
+      <p:grpSpPr>
+        <a:xfrm>
+          <a:off x="0" y="0"/>
+          <a:ext cx="0" cy="0"/>
+          <a:chOff x="0" y="0"/>
+          <a:chExt cx="0" cy="0"/>
+        </a:xfrm>
+      </p:grpSpPr>
+      <p:sp>
+        <p:nvSpPr>
+          <p:cNvPr id="2" name="Title 1"/>
+          <p:cNvSpPr>
+            <a:spLocks noGrp="1"/>
+          </p:cNvSpPr>
+          <p:nvPr>
+            <p:ph type="title"/>
+          </p:nvPr>
+        </p:nvSpPr>
+        <p:spPr/>
+        <p:txBody>
+          <a:bodyPr/>
+          <a:lstStyle/>
+          <a:p>
+            <a:r>
+              <a:rPr lang="en-US" dirty="0" err="1" smtClean="0"/>
+              <a:t>Strstr</a:t>
+            </a:r>
+            <a:r>
+              <a:rPr lang="en-US" dirty="0" smtClean="0"/>
+              <a:t>()</a:t>
+            </a:r>
+            <a:endParaRPr lang="en-US" dirty="0"/>
+          </a:p>
+        </p:txBody>
+      </p:sp>
+      <p:sp>
+        <p:nvSpPr>
+          <p:cNvPr id="3" name="Content Placeholder 2"/>
+          <p:cNvSpPr>
+            <a:spLocks noGrp="1"/>
+          </p:cNvSpPr>
+          <p:nvPr>
+            <p:ph idx="1"/>
+          </p:nvPr>
+        </p:nvSpPr>
+        <p:spPr/>
+        <p:txBody>
+          <a:bodyPr>
+            <a:normAutofit fontScale="55000" lnSpcReduction="20000"/>
+          </a:bodyPr>
+          <a:lstStyle/>
+          <a:p>
+            <a:pPr marL="137160" indent="0">
+              <a:buNone/>
+            </a:pPr>
+            <a:r>
+              <a:rPr lang="en-US" dirty="0" smtClean="0"/>
+              <a:t>main</a:t>
+            </a:r>
+            <a:r>
+              <a:rPr lang="en-US" dirty="0"/>
+              <a:t>() </a:t>
+            </a:r>
+          </a:p>
+          <a:p>
+            <a:pPr marL="137160" indent="0">
+              <a:buNone/>
+            </a:pPr>
+            <a:r>
+              <a:rPr lang="en-US" dirty="0"/>
+              <a:t>{ </a:t>
+            </a:r>
+          </a:p>
+          <a:p>
+            <a:pPr marL="137160" indent="0">
+              <a:buNone/>
+            </a:pPr>
+            <a:r>
+              <a:rPr lang="en-US" dirty="0"/>
+              <a:t>	// Take any two strings </a:t>
+            </a:r>
+          </a:p>
+          <a:p>
+            <a:pPr marL="137160" indent="0">
+              <a:buNone/>
+            </a:pPr>
+            <a:r>
+              <a:rPr lang="en-US" dirty="0"/>
+              <a:t>	char s1[] = "</a:t>
+            </a:r>
+            <a:r>
+              <a:rPr lang="en-US" dirty="0" err="1"/>
+              <a:t>GeeksforGeeks</a:t>
+            </a:r>
+            <a:r>
+              <a:rPr lang="en-US" dirty="0"/>
+              <a:t>"; </a:t>
+            </a:r>
+          </a:p>
+          <a:p>
+            <a:pPr marL="137160" indent="0">
+              <a:buNone/>
+            </a:pPr>
+            <a:r>
+              <a:rPr lang="en-US" dirty="0"/>
+              <a:t>	char s2[] = "for"; </a:t>
+            </a:r>
+          </a:p>
+          <a:p>
+            <a:pPr marL="137160" indent="0">
+              <a:buNone/>
+            </a:pPr>
+            <a:r>
+              <a:rPr lang="en-US" dirty="0"/>
+              <a:t>	char* p; </a:t>
+            </a:r>
+          </a:p>
+          <a:p>
+            <a:pPr marL="137160" indent="0">
+              <a:buNone/>
+            </a:pPr>
+            <a:endParaRPr lang="en-US" dirty="0"/>
+          </a:p>
+          <a:p>
+            <a:pPr marL="137160" indent="0">
+              <a:buNone/>
+            </a:pPr>
+            <a:r>
+              <a:rPr lang="en-US" dirty="0"/>
+              <a:t>	// Find first occurrence of s2 in s1 </a:t>
+            </a:r>
+          </a:p>
+          <a:p>
+            <a:pPr marL="137160" indent="0">
+              <a:buNone/>
+            </a:pPr>
+            <a:r>
+              <a:rPr lang="en-US" dirty="0"/>
+              <a:t>	p = </a:t>
+            </a:r>
+            <a:r>
+              <a:rPr lang="en-US" dirty="0" err="1"/>
+              <a:t>strstr</a:t>
+            </a:r>
+            <a:r>
+              <a:rPr lang="en-US" dirty="0"/>
+              <a:t>(s1, s2); </a:t>
+            </a:r>
+          </a:p>
+          <a:p>
+            <a:pPr marL="137160" indent="0">
+              <a:buNone/>
+            </a:pPr>
+            <a:endParaRPr lang="en-US" dirty="0"/>
+          </a:p>
+          <a:p>
+            <a:pPr marL="137160" indent="0">
+              <a:buNone/>
+            </a:pPr>
+            <a:r>
+              <a:rPr lang="en-US" dirty="0"/>
+              <a:t>	// Prints the result </a:t>
+            </a:r>
+          </a:p>
+          <a:p>
+            <a:pPr marL="137160" indent="0">
+              <a:buNone/>
+            </a:pPr>
+            <a:r>
+              <a:rPr lang="en-US" dirty="0"/>
+              <a:t>	if (p) { </a:t>
+            </a:r>
+          </a:p>
+          <a:p>
+            <a:pPr marL="137160" indent="0">
+              <a:buNone/>
+            </a:pPr>
+            <a:r>
+              <a:rPr lang="en-US" dirty="0"/>
+              <a:t>		</a:t>
+            </a:r>
+            <a:r>
+              <a:rPr lang="en-US" dirty="0" err="1"/>
+              <a:t>printf</a:t>
+            </a:r>
+            <a:r>
+              <a:rPr lang="en-US" dirty="0"/>
+              <a:t>("String found\n"); </a:t>
+            </a:r>
+          </a:p>
+          <a:p>
+            <a:pPr marL="137160" indent="0">
+              <a:buNone/>
+            </a:pPr>
+            <a:r>
+              <a:rPr lang="en-US" dirty="0"/>
+              <a:t>		</a:t>
+            </a:r>
+            <a:r>
+              <a:rPr lang="en-US" dirty="0" err="1"/>
+              <a:t>printf</a:t>
+            </a:r>
+            <a:r>
+              <a:rPr lang="en-US" dirty="0"/>
+              <a:t>("First occurrence of string '%s' in '%s' is '%s'", s2, s1, p); </a:t>
+            </a:r>
+          </a:p>
+          <a:p>
+            <a:pPr marL="137160" indent="0">
+              <a:buNone/>
+            </a:pPr>
+            <a:r>
+              <a:rPr lang="en-US" dirty="0"/>
+              <a:t>	} else</a:t>
+            </a:r>
+          </a:p>
+          <a:p>
+            <a:pPr marL="137160" indent="0">
+              <a:buNone/>
+            </a:pPr>
+            <a:r>
+              <a:rPr lang="en-US" dirty="0"/>
+              <a:t>		</a:t>
+            </a:r>
+            <a:r>
+              <a:rPr lang="en-US" dirty="0" err="1"/>
+              <a:t>printf</a:t>
+            </a:r>
+            <a:r>
+              <a:rPr lang="en-US" dirty="0"/>
+              <a:t>("String not found\n"); </a:t>
+            </a:r>
+          </a:p>
+          <a:p>
+            <a:pPr marL="137160" indent="0">
+              <a:buNone/>
+            </a:pPr>
+            <a:endParaRPr lang="en-US" dirty="0"/>
+          </a:p>
+          <a:p>
+            <a:pPr marL="137160" indent="0">
+              <a:buNone/>
+            </a:pPr>
+            <a:r>
+              <a:rPr lang="en-US" dirty="0"/>
+              <a:t>	return 0; </a:t>
+            </a:r>
+          </a:p>
+          <a:p>
+            <a:r>
+              <a:rPr lang="en-US" dirty="0"/>
+              <a:t>} </a:t>
+            </a:r>
+          </a:p>
+          <a:p>
+            <a:endParaRPr lang="en-US" dirty="0"/>
+          </a:p>
+        </p:txBody>
+      </p:sp>
+    </p:spTree>
+    <p:extLst>
+      <p:ext uri="{BB962C8B-B14F-4D97-AF65-F5344CB8AC3E}">
+        <p14:creationId xmlns:p14="http://schemas.microsoft.com/office/powerpoint/2010/main" val="1635555898"/>
+      </p:ext>
+    </p:extLst>
+  </p:cSld>
+  <p:clrMapOvr>
+    <a:masterClrMapping/>
+  </p:clrMapOvr>
+</p:sld>
+</file>
+
 <file path=ppt/slides/slide2.xml><?xml version="1.0" encoding="utf-8"?>
 <p:sld xmlns:a="http://schemas.openxmlformats.org/drawingml/2006/main" xmlns:r="http://schemas.openxmlformats.org/officeDocument/2006/relationships" xmlns:p="http://schemas.openxmlformats.org/presentationml/2006/main">
   <p:cSld>
@@ -5218,6 +5502,444 @@
     <p:extLst>
       <p:ext uri="{BB962C8B-B14F-4D97-AF65-F5344CB8AC3E}">
         <p14:creationId xmlns:p14="http://schemas.microsoft.com/office/powerpoint/2010/main" val="3375030607"/>
+      </p:ext>
+    </p:extLst>
+  </p:cSld>
+  <p:clrMapOvr>
+    <a:masterClrMapping/>
+  </p:clrMapOvr>
+</p:sld>
+</file>
+
+<file path=ppt/slides/slide8.xml><?xml version="1.0" encoding="utf-8"?>
+<p:sld xmlns:a="http://schemas.openxmlformats.org/drawingml/2006/main" xmlns:r="http://schemas.openxmlformats.org/officeDocument/2006/relationships" xmlns:p="http://schemas.openxmlformats.org/presentationml/2006/main">
+  <p:cSld>
+    <p:spTree>
+      <p:nvGrpSpPr>
+        <p:cNvPr id="1" name=""/>
+        <p:cNvGrpSpPr/>
+        <p:nvPr/>
+      </p:nvGrpSpPr>
+      <p:grpSpPr>
+        <a:xfrm>
+          <a:off x="0" y="0"/>
+          <a:ext cx="0" cy="0"/>
+          <a:chOff x="0" y="0"/>
+          <a:chExt cx="0" cy="0"/>
+        </a:xfrm>
+      </p:grpSpPr>
+      <p:sp>
+        <p:nvSpPr>
+          <p:cNvPr id="2" name="Title 1"/>
+          <p:cNvSpPr>
+            <a:spLocks noGrp="1"/>
+          </p:cNvSpPr>
+          <p:nvPr>
+            <p:ph type="title"/>
+          </p:nvPr>
+        </p:nvSpPr>
+        <p:spPr/>
+        <p:txBody>
+          <a:bodyPr/>
+          <a:lstStyle/>
+          <a:p>
+            <a:r>
+              <a:rPr lang="en-US" dirty="0" err="1" smtClean="0"/>
+              <a:t>Strchar</a:t>
+            </a:r>
+            <a:r>
+              <a:rPr lang="en-US" dirty="0" smtClean="0"/>
+              <a:t>()</a:t>
+            </a:r>
+            <a:endParaRPr lang="en-US" dirty="0"/>
+          </a:p>
+        </p:txBody>
+      </p:sp>
+      <p:sp>
+        <p:nvSpPr>
+          <p:cNvPr id="3" name="Content Placeholder 2"/>
+          <p:cNvSpPr>
+            <a:spLocks noGrp="1"/>
+          </p:cNvSpPr>
+          <p:nvPr>
+            <p:ph idx="1"/>
+          </p:nvPr>
+        </p:nvSpPr>
+        <p:spPr/>
+        <p:txBody>
+          <a:bodyPr/>
+          <a:lstStyle/>
+          <a:p>
+            <a:pPr marL="137160" indent="0">
+              <a:buNone/>
+            </a:pPr>
+            <a:r>
+              <a:rPr lang="en-US" dirty="0" err="1"/>
+              <a:t>int</a:t>
+            </a:r>
+            <a:r>
+              <a:rPr lang="en-US" dirty="0"/>
+              <a:t> main</a:t>
+            </a:r>
+            <a:r>
+              <a:rPr lang="en-US" dirty="0" smtClean="0"/>
+              <a:t>()</a:t>
+            </a:r>
+          </a:p>
+          <a:p>
+            <a:pPr marL="137160" indent="0">
+              <a:buNone/>
+            </a:pPr>
+            <a:r>
+              <a:rPr lang="en-US" dirty="0" smtClean="0"/>
+              <a:t>{    </a:t>
+            </a:r>
+          </a:p>
+          <a:p>
+            <a:pPr marL="722376" lvl="2" indent="0">
+              <a:buNone/>
+            </a:pPr>
+            <a:r>
+              <a:rPr lang="en-US" dirty="0" smtClean="0"/>
+              <a:t>char </a:t>
+            </a:r>
+            <a:r>
+              <a:rPr lang="en-US" dirty="0" err="1"/>
+              <a:t>str</a:t>
+            </a:r>
+            <a:r>
+              <a:rPr lang="en-US" dirty="0"/>
+              <a:t>[] = "My name is </a:t>
+            </a:r>
+            <a:r>
+              <a:rPr lang="en-US" dirty="0" err="1"/>
+              <a:t>Ayush</a:t>
+            </a:r>
+            <a:r>
+              <a:rPr lang="en-US" dirty="0"/>
+              <a:t>";    </a:t>
+            </a:r>
+            <a:endParaRPr lang="en-US" dirty="0" smtClean="0"/>
+          </a:p>
+          <a:p>
+            <a:pPr marL="722376" lvl="2" indent="0">
+              <a:buNone/>
+            </a:pPr>
+            <a:r>
+              <a:rPr lang="en-US" dirty="0" smtClean="0"/>
+              <a:t>char</a:t>
+            </a:r>
+            <a:r>
+              <a:rPr lang="en-US" dirty="0"/>
+              <a:t>* </a:t>
+            </a:r>
+            <a:r>
+              <a:rPr lang="en-US" dirty="0" err="1"/>
+              <a:t>ch</a:t>
+            </a:r>
+            <a:r>
+              <a:rPr lang="en-US" dirty="0"/>
+              <a:t> = </a:t>
+            </a:r>
+            <a:r>
+              <a:rPr lang="en-US" dirty="0" err="1"/>
+              <a:t>strchr</a:t>
+            </a:r>
+            <a:r>
+              <a:rPr lang="en-US" dirty="0"/>
+              <a:t>(</a:t>
+            </a:r>
+            <a:r>
+              <a:rPr lang="en-US" dirty="0" err="1"/>
+              <a:t>str</a:t>
+            </a:r>
+            <a:r>
+              <a:rPr lang="en-US" dirty="0"/>
+              <a:t>, 'a');    </a:t>
+            </a:r>
+            <a:endParaRPr lang="en-US" dirty="0" smtClean="0"/>
+          </a:p>
+          <a:p>
+            <a:pPr marL="722376" lvl="2" indent="0">
+              <a:buNone/>
+            </a:pPr>
+            <a:r>
+              <a:rPr lang="en-US" dirty="0" err="1" smtClean="0"/>
+              <a:t>Printf</a:t>
+            </a:r>
+            <a:r>
+              <a:rPr lang="en-US" dirty="0" smtClean="0"/>
+              <a:t>(“%s”,</a:t>
+            </a:r>
+            <a:r>
+              <a:rPr lang="en-US" dirty="0" err="1" smtClean="0"/>
+              <a:t>ch</a:t>
+            </a:r>
+            <a:r>
+              <a:rPr lang="en-US" dirty="0" smtClean="0"/>
+              <a:t>);    </a:t>
+            </a:r>
+          </a:p>
+          <a:p>
+            <a:pPr marL="722376" lvl="2" indent="0">
+              <a:buNone/>
+            </a:pPr>
+            <a:r>
+              <a:rPr lang="en-US" dirty="0" smtClean="0"/>
+              <a:t>return </a:t>
+            </a:r>
+            <a:r>
+              <a:rPr lang="en-US" dirty="0"/>
+              <a:t>0</a:t>
+            </a:r>
+            <a:r>
+              <a:rPr lang="en-US" dirty="0" smtClean="0"/>
+              <a:t>;</a:t>
+            </a:r>
+          </a:p>
+          <a:p>
+            <a:pPr marL="137160" indent="0">
+              <a:buNone/>
+            </a:pPr>
+            <a:r>
+              <a:rPr lang="en-US" dirty="0" smtClean="0"/>
+              <a:t>}</a:t>
+            </a:r>
+            <a:endParaRPr lang="en-US" dirty="0"/>
+          </a:p>
+        </p:txBody>
+      </p:sp>
+    </p:spTree>
+    <p:extLst>
+      <p:ext uri="{BB962C8B-B14F-4D97-AF65-F5344CB8AC3E}">
+        <p14:creationId xmlns:p14="http://schemas.microsoft.com/office/powerpoint/2010/main" val="3151698836"/>
+      </p:ext>
+    </p:extLst>
+  </p:cSld>
+  <p:clrMapOvr>
+    <a:masterClrMapping/>
+  </p:clrMapOvr>
+</p:sld>
+</file>
+
+<file path=ppt/slides/slide9.xml><?xml version="1.0" encoding="utf-8"?>
+<p:sld xmlns:a="http://schemas.openxmlformats.org/drawingml/2006/main" xmlns:r="http://schemas.openxmlformats.org/officeDocument/2006/relationships" xmlns:p="http://schemas.openxmlformats.org/presentationml/2006/main">
+  <p:cSld>
+    <p:spTree>
+      <p:nvGrpSpPr>
+        <p:cNvPr id="1" name=""/>
+        <p:cNvGrpSpPr/>
+        <p:nvPr/>
+      </p:nvGrpSpPr>
+      <p:grpSpPr>
+        <a:xfrm>
+          <a:off x="0" y="0"/>
+          <a:ext cx="0" cy="0"/>
+          <a:chOff x="0" y="0"/>
+          <a:chExt cx="0" cy="0"/>
+        </a:xfrm>
+      </p:grpSpPr>
+      <p:sp>
+        <p:nvSpPr>
+          <p:cNvPr id="2" name="Title 1"/>
+          <p:cNvSpPr>
+            <a:spLocks noGrp="1"/>
+          </p:cNvSpPr>
+          <p:nvPr>
+            <p:ph type="title"/>
+          </p:nvPr>
+        </p:nvSpPr>
+        <p:spPr/>
+        <p:txBody>
+          <a:bodyPr/>
+          <a:lstStyle/>
+          <a:p>
+            <a:r>
+              <a:rPr lang="en-US" dirty="0" err="1" smtClean="0"/>
+              <a:t>Strchar</a:t>
+            </a:r>
+            <a:r>
+              <a:rPr lang="en-US" dirty="0" smtClean="0"/>
+              <a:t>()</a:t>
+            </a:r>
+            <a:endParaRPr lang="en-US" dirty="0"/>
+          </a:p>
+        </p:txBody>
+      </p:sp>
+      <p:sp>
+        <p:nvSpPr>
+          <p:cNvPr id="3" name="Content Placeholder 2"/>
+          <p:cNvSpPr>
+            <a:spLocks noGrp="1"/>
+          </p:cNvSpPr>
+          <p:nvPr>
+            <p:ph idx="1"/>
+          </p:nvPr>
+        </p:nvSpPr>
+        <p:spPr/>
+        <p:txBody>
+          <a:bodyPr/>
+          <a:lstStyle/>
+          <a:p>
+            <a:pPr marL="137160" indent="0">
+              <a:buNone/>
+            </a:pPr>
+            <a:r>
+              <a:rPr lang="en-US" dirty="0" err="1"/>
+              <a:t>int</a:t>
+            </a:r>
+            <a:r>
+              <a:rPr lang="en-US" dirty="0"/>
+              <a:t> main</a:t>
+            </a:r>
+            <a:r>
+              <a:rPr lang="en-US" dirty="0" smtClean="0"/>
+              <a:t>()</a:t>
+            </a:r>
+          </a:p>
+          <a:p>
+            <a:pPr marL="137160" indent="0">
+              <a:buNone/>
+            </a:pPr>
+            <a:r>
+              <a:rPr lang="en-US" dirty="0" smtClean="0"/>
+              <a:t>{    </a:t>
+            </a:r>
+          </a:p>
+          <a:p>
+            <a:pPr marL="722376" lvl="2" indent="0">
+              <a:buNone/>
+            </a:pPr>
+            <a:r>
+              <a:rPr lang="en-US" dirty="0" smtClean="0"/>
+              <a:t>char </a:t>
+            </a:r>
+            <a:r>
+              <a:rPr lang="en-US" dirty="0" err="1"/>
+              <a:t>str</a:t>
+            </a:r>
+            <a:r>
+              <a:rPr lang="en-US" dirty="0"/>
+              <a:t>[] = "My name is </a:t>
+            </a:r>
+            <a:r>
+              <a:rPr lang="en-US" dirty="0" err="1"/>
+              <a:t>Ayush</a:t>
+            </a:r>
+            <a:r>
+              <a:rPr lang="en-US" dirty="0"/>
+              <a:t>";    </a:t>
+            </a:r>
+            <a:endParaRPr lang="en-US" dirty="0" smtClean="0"/>
+          </a:p>
+          <a:p>
+            <a:pPr marL="722376" lvl="2" indent="0">
+              <a:buNone/>
+            </a:pPr>
+            <a:r>
+              <a:rPr lang="en-US" dirty="0" smtClean="0"/>
+              <a:t>char</a:t>
+            </a:r>
+            <a:r>
+              <a:rPr lang="en-US" dirty="0"/>
+              <a:t>* </a:t>
+            </a:r>
+            <a:r>
+              <a:rPr lang="en-US" dirty="0" err="1"/>
+              <a:t>ch</a:t>
+            </a:r>
+            <a:r>
+              <a:rPr lang="en-US" dirty="0"/>
+              <a:t> = </a:t>
+            </a:r>
+            <a:r>
+              <a:rPr lang="en-US" dirty="0" err="1"/>
+              <a:t>strchr</a:t>
+            </a:r>
+            <a:r>
+              <a:rPr lang="en-US" dirty="0"/>
+              <a:t>(</a:t>
+            </a:r>
+            <a:r>
+              <a:rPr lang="en-US" dirty="0" err="1"/>
+              <a:t>str</a:t>
+            </a:r>
+            <a:r>
+              <a:rPr lang="en-US" dirty="0"/>
+              <a:t>, 'a');    </a:t>
+            </a:r>
+            <a:endParaRPr lang="en-US" dirty="0" smtClean="0"/>
+          </a:p>
+          <a:p>
+            <a:pPr marL="722376" lvl="2" indent="0">
+              <a:buNone/>
+            </a:pPr>
+            <a:r>
+              <a:rPr lang="en-US" dirty="0" err="1" smtClean="0"/>
+              <a:t>Printf</a:t>
+            </a:r>
+            <a:r>
+              <a:rPr lang="en-US" dirty="0" smtClean="0"/>
+              <a:t>(“%d”,</a:t>
+            </a:r>
+            <a:r>
+              <a:rPr lang="en-US" dirty="0" err="1" smtClean="0"/>
+              <a:t>ch</a:t>
+            </a:r>
+            <a:r>
+              <a:rPr lang="en-US" dirty="0" smtClean="0"/>
+              <a:t> </a:t>
+            </a:r>
+            <a:r>
+              <a:rPr lang="en-US" dirty="0"/>
+              <a:t>- </a:t>
+            </a:r>
+            <a:r>
+              <a:rPr lang="en-US" dirty="0" err="1"/>
+              <a:t>str</a:t>
+            </a:r>
+            <a:r>
+              <a:rPr lang="en-US" dirty="0"/>
+              <a:t> + </a:t>
+            </a:r>
+            <a:r>
+              <a:rPr lang="en-US" dirty="0" smtClean="0"/>
+              <a:t>1);    </a:t>
+            </a:r>
+          </a:p>
+          <a:p>
+            <a:pPr marL="722376" lvl="2" indent="0">
+              <a:buNone/>
+            </a:pPr>
+            <a:r>
+              <a:rPr lang="en-US" dirty="0" smtClean="0"/>
+              <a:t>return </a:t>
+            </a:r>
+            <a:r>
+              <a:rPr lang="en-US" dirty="0"/>
+              <a:t>0</a:t>
+            </a:r>
+            <a:r>
+              <a:rPr lang="en-US" dirty="0" smtClean="0"/>
+              <a:t>;</a:t>
+            </a:r>
+          </a:p>
+          <a:p>
+            <a:pPr marL="137160" indent="0">
+              <a:buNone/>
+            </a:pPr>
+            <a:r>
+              <a:rPr lang="en-US" dirty="0" smtClean="0"/>
+              <a:t>}</a:t>
+            </a:r>
+            <a:endParaRPr lang="en-US" dirty="0"/>
+          </a:p>
+        </p:txBody>
+      </p:sp>
+    </p:spTree>
+    <p:extLst>
+      <p:ext uri="{BB962C8B-B14F-4D97-AF65-F5344CB8AC3E}">
+        <p14:creationId xmlns:p14="http://schemas.microsoft.com/office/powerpoint/2010/main" val="2616995491"/>
       </p:ext>
     </p:extLst>
   </p:cSld>

--- a/PPT/string.pptx
+++ b/PPT/string.pptx
@@ -201,7 +201,7 @@
           <a:p>
             <a:fld id="{C1B8E64C-0EDD-4C93-95A2-E8C52A5645D1}" type="datetimeFigureOut">
               <a:rPr lang="en-US" smtClean="0"/>
-              <a:t>16-Nov-20</a:t>
+              <a:t>18-Nov-20</a:t>
             </a:fld>
             <a:endParaRPr lang="en-US"/>
           </a:p>
@@ -581,7 +581,7 @@
             <a:fld id="{1D8BD707-D9CF-40AE-B4C6-C98DA3205C09}" type="datetimeFigureOut">
               <a:rPr lang="en-US" smtClean="0"/>
               <a:pPr/>
-              <a:t>16-Nov-20</a:t>
+              <a:t>18-Nov-20</a:t>
             </a:fld>
             <a:endParaRPr lang="en-US"/>
           </a:p>
@@ -809,7 +809,7 @@
             <a:fld id="{1D8BD707-D9CF-40AE-B4C6-C98DA3205C09}" type="datetimeFigureOut">
               <a:rPr lang="en-US" smtClean="0"/>
               <a:pPr/>
-              <a:t>16-Nov-20</a:t>
+              <a:t>18-Nov-20</a:t>
             </a:fld>
             <a:endParaRPr lang="en-US"/>
           </a:p>
@@ -986,7 +986,7 @@
             <a:fld id="{1D8BD707-D9CF-40AE-B4C6-C98DA3205C09}" type="datetimeFigureOut">
               <a:rPr lang="en-US" smtClean="0"/>
               <a:pPr/>
-              <a:t>16-Nov-20</a:t>
+              <a:t>18-Nov-20</a:t>
             </a:fld>
             <a:endParaRPr lang="en-US"/>
           </a:p>
@@ -1153,7 +1153,7 @@
             <a:fld id="{1D8BD707-D9CF-40AE-B4C6-C98DA3205C09}" type="datetimeFigureOut">
               <a:rPr lang="en-US" smtClean="0"/>
               <a:pPr/>
-              <a:t>16-Nov-20</a:t>
+              <a:t>18-Nov-20</a:t>
             </a:fld>
             <a:endParaRPr lang="en-US"/>
           </a:p>
@@ -1399,7 +1399,7 @@
             <a:fld id="{1D8BD707-D9CF-40AE-B4C6-C98DA3205C09}" type="datetimeFigureOut">
               <a:rPr lang="en-US" smtClean="0"/>
               <a:pPr/>
-              <a:t>16-Nov-20</a:t>
+              <a:t>18-Nov-20</a:t>
             </a:fld>
             <a:endParaRPr lang="en-US"/>
           </a:p>
@@ -1665,7 +1665,7 @@
             <a:fld id="{1D8BD707-D9CF-40AE-B4C6-C98DA3205C09}" type="datetimeFigureOut">
               <a:rPr lang="en-US" smtClean="0"/>
               <a:pPr/>
-              <a:t>16-Nov-20</a:t>
+              <a:t>18-Nov-20</a:t>
             </a:fld>
             <a:endParaRPr lang="en-US"/>
           </a:p>
@@ -2041,7 +2041,7 @@
             <a:fld id="{1D8BD707-D9CF-40AE-B4C6-C98DA3205C09}" type="datetimeFigureOut">
               <a:rPr lang="en-US" smtClean="0"/>
               <a:pPr/>
-              <a:t>16-Nov-20</a:t>
+              <a:t>18-Nov-20</a:t>
             </a:fld>
             <a:endParaRPr lang="en-US"/>
           </a:p>
@@ -2156,7 +2156,7 @@
             <a:fld id="{1D8BD707-D9CF-40AE-B4C6-C98DA3205C09}" type="datetimeFigureOut">
               <a:rPr lang="en-US" smtClean="0"/>
               <a:pPr/>
-              <a:t>16-Nov-20</a:t>
+              <a:t>18-Nov-20</a:t>
             </a:fld>
             <a:endParaRPr lang="en-US"/>
           </a:p>
@@ -2248,7 +2248,7 @@
             <a:fld id="{1D8BD707-D9CF-40AE-B4C6-C98DA3205C09}" type="datetimeFigureOut">
               <a:rPr lang="en-US" smtClean="0"/>
               <a:pPr/>
-              <a:t>16-Nov-20</a:t>
+              <a:t>18-Nov-20</a:t>
             </a:fld>
             <a:endParaRPr lang="en-US"/>
           </a:p>
@@ -2508,7 +2508,7 @@
             <a:fld id="{1D8BD707-D9CF-40AE-B4C6-C98DA3205C09}" type="datetimeFigureOut">
               <a:rPr lang="en-US" smtClean="0"/>
               <a:pPr/>
-              <a:t>16-Nov-20</a:t>
+              <a:t>18-Nov-20</a:t>
             </a:fld>
             <a:endParaRPr lang="en-US"/>
           </a:p>
@@ -2774,7 +2774,7 @@
             <a:fld id="{1D8BD707-D9CF-40AE-B4C6-C98DA3205C09}" type="datetimeFigureOut">
               <a:rPr lang="en-US" smtClean="0"/>
               <a:pPr/>
-              <a:t>16-Nov-20</a:t>
+              <a:t>18-Nov-20</a:t>
             </a:fld>
             <a:endParaRPr lang="en-US"/>
           </a:p>
@@ -2993,7 +2993,7 @@
             <a:fld id="{1D8BD707-D9CF-40AE-B4C6-C98DA3205C09}" type="datetimeFigureOut">
               <a:rPr lang="en-US" smtClean="0"/>
               <a:pPr/>
-              <a:t>16-Nov-20</a:t>
+              <a:t>18-Nov-20</a:t>
             </a:fld>
             <a:endParaRPr lang="en-US"/>
           </a:p>
@@ -3800,7 +3800,9 @@
         </p:nvSpPr>
         <p:spPr/>
         <p:txBody>
-          <a:bodyPr/>
+          <a:bodyPr>
+            <a:normAutofit lnSpcReduction="10000"/>
+          </a:bodyPr>
           <a:lstStyle/>
           <a:p>
             <a:r>
@@ -3836,8 +3838,27 @@
           <a:p>
             <a:pPr lvl="1"/>
             <a:r>
+              <a:rPr lang="en-US" dirty="0" smtClean="0"/>
+              <a:t>Char a[5]={‘</a:t>
+            </a:r>
+            <a:r>
+              <a:rPr lang="en-US" dirty="0" err="1" smtClean="0"/>
+              <a:t>h’,’e’,’l’,’l’,’o</a:t>
+            </a:r>
+            <a:r>
+              <a:rPr lang="en-US" dirty="0" smtClean="0"/>
+              <a:t>’};</a:t>
+            </a:r>
+          </a:p>
+          <a:p>
+            <a:pPr lvl="1"/>
+            <a:r>
+              <a:rPr lang="en-US" dirty="0" smtClean="0"/>
+              <a:t>Char </a:t>
+            </a:r>
+            <a:r>
               <a:rPr lang="en-US" dirty="0"/>
-              <a:t>Char a[]=“hello”</a:t>
+              <a:t>a[]=“hello”</a:t>
             </a:r>
           </a:p>
           <a:p>
@@ -3965,35 +3986,37 @@
         </p:nvSpPr>
         <p:spPr/>
         <p:txBody>
-          <a:bodyPr/>
+          <a:bodyPr>
+            <a:normAutofit/>
+          </a:bodyPr>
           <a:lstStyle/>
           <a:p>
             <a:pPr marL="137160" indent="0">
               <a:buNone/>
             </a:pPr>
             <a:r>
-              <a:rPr lang="en-US" dirty="0"/>
+              <a:rPr lang="en-US" sz="2400" dirty="0"/>
               <a:t>void main()</a:t>
             </a:r>
             <a:br>
-              <a:rPr lang="en-US" dirty="0"/>
+              <a:rPr lang="en-US" sz="2400" dirty="0"/>
             </a:br>
             <a:r>
-              <a:rPr lang="en-US" dirty="0"/>
+              <a:rPr lang="en-US" sz="2400" dirty="0"/>
               <a:t>{ </a:t>
             </a:r>
-            <a:endParaRPr lang="en-US" dirty="0" smtClean="0"/>
+            <a:endParaRPr lang="en-US" sz="2400" dirty="0" smtClean="0"/>
           </a:p>
           <a:p>
             <a:pPr marL="585216" lvl="1" indent="0">
               <a:buNone/>
             </a:pPr>
             <a:r>
-              <a:rPr lang="en-US" dirty="0"/>
+              <a:rPr lang="en-US" sz="2000" dirty="0"/>
               <a:t> </a:t>
             </a:r>
             <a:r>
-              <a:rPr lang="en-US" dirty="0" smtClean="0"/>
+              <a:rPr lang="en-US" sz="2000" dirty="0" smtClean="0"/>
               <a:t>   char i[10];</a:t>
             </a:r>
           </a:p>
@@ -4002,86 +4025,91 @@
               <a:buNone/>
             </a:pPr>
             <a:r>
-              <a:rPr lang="en-US" dirty="0"/>
+              <a:rPr lang="en-US" sz="2000" dirty="0"/>
               <a:t> </a:t>
             </a:r>
             <a:r>
-              <a:rPr lang="en-US" dirty="0" smtClean="0"/>
+              <a:rPr lang="en-US" sz="2000" dirty="0" smtClean="0"/>
               <a:t>    </a:t>
             </a:r>
             <a:r>
-              <a:rPr lang="en-US" dirty="0" err="1" smtClean="0"/>
+              <a:rPr lang="en-US" sz="2000" dirty="0" err="1" smtClean="0"/>
               <a:t>scanf</a:t>
             </a:r>
             <a:r>
-              <a:rPr lang="en-US" dirty="0" smtClean="0"/>
+              <a:rPr lang="en-US" sz="2000" dirty="0" smtClean="0"/>
               <a:t>(“%[^\n]</a:t>
             </a:r>
             <a:r>
-              <a:rPr lang="en-US" dirty="0" err="1" smtClean="0"/>
+              <a:rPr lang="en-US" sz="2000" dirty="0" err="1" smtClean="0"/>
               <a:t>s”,i</a:t>
             </a:r>
             <a:r>
-              <a:rPr lang="en-US" dirty="0" smtClean="0"/>
-              <a:t>);  // i/p</a:t>
-            </a:r>
+              <a:rPr lang="en-US" sz="2000" dirty="0" smtClean="0"/>
+              <a:t>);  // </a:t>
+            </a:r>
+            <a:r>
+              <a:rPr lang="en-US" sz="2000" dirty="0" smtClean="0"/>
+              <a:t>i/p, get input until enter new line</a:t>
+            </a:r>
+            <a:endParaRPr lang="en-US" sz="2000" dirty="0" smtClean="0"/>
           </a:p>
           <a:p>
             <a:pPr marL="585216" lvl="1" indent="0">
               <a:buNone/>
             </a:pPr>
             <a:r>
-              <a:rPr lang="en-US" dirty="0"/>
+              <a:rPr lang="en-US" sz="2000" dirty="0"/>
               <a:t> </a:t>
             </a:r>
             <a:r>
-              <a:rPr lang="en-US" dirty="0" smtClean="0"/>
+              <a:rPr lang="en-US" sz="2000" dirty="0" smtClean="0"/>
               <a:t>   // gets(i);    </a:t>
             </a:r>
             <a:r>
-              <a:rPr lang="en-US" dirty="0"/>
+              <a:rPr lang="en-US" sz="2000" dirty="0"/>
               <a:t/>
             </a:r>
             <a:br>
-              <a:rPr lang="en-US" dirty="0"/>
+              <a:rPr lang="en-US" sz="2000" dirty="0"/>
             </a:br>
             <a:r>
-              <a:rPr lang="en-US" dirty="0" smtClean="0"/>
+              <a:rPr lang="en-US" sz="2000" dirty="0" smtClean="0"/>
               <a:t>	char j[]="HELLO";</a:t>
             </a:r>
             <a:br>
-              <a:rPr lang="en-US" dirty="0" smtClean="0"/>
+              <a:rPr lang="en-US" sz="2000" dirty="0" smtClean="0"/>
             </a:br>
             <a:r>
-              <a:rPr lang="en-US" dirty="0" smtClean="0"/>
+              <a:rPr lang="en-US" sz="2000" dirty="0" smtClean="0"/>
               <a:t>	</a:t>
             </a:r>
             <a:r>
-              <a:rPr lang="en-US" dirty="0" err="1" smtClean="0"/>
+              <a:rPr lang="en-US" sz="2000" dirty="0" err="1" smtClean="0"/>
               <a:t>printf</a:t>
             </a:r>
             <a:r>
-              <a:rPr lang="en-US" dirty="0" smtClean="0"/>
+              <a:rPr lang="en-US" sz="2000" dirty="0" smtClean="0"/>
               <a:t>("%s ",j);  //o/p</a:t>
             </a:r>
-            <a:endParaRPr lang="en-US" dirty="0"/>
+            <a:endParaRPr lang="en-US" sz="2000" dirty="0"/>
           </a:p>
           <a:p>
             <a:pPr marL="585216" lvl="1" indent="0">
               <a:buNone/>
             </a:pPr>
             <a:r>
-              <a:rPr lang="en-US" dirty="0" smtClean="0"/>
+              <a:rPr lang="en-US" sz="2000" dirty="0" smtClean="0"/>
               <a:t>} </a:t>
             </a:r>
             <a:r>
-              <a:rPr lang="en-US" dirty="0"/>
+              <a:rPr lang="en-US" sz="2000" dirty="0"/>
               <a:t/>
             </a:r>
             <a:br>
-              <a:rPr lang="en-US" dirty="0"/>
+              <a:rPr lang="en-US" sz="2000" dirty="0"/>
             </a:br>
-            <a:endParaRPr lang="en-US" dirty="0"/>
+            <a:endParaRPr lang="en-US" sz="2000" dirty="0"/>
           </a:p>
         </p:txBody>
       </p:sp>
@@ -5904,8 +5932,17 @@
             </a:r>
             <a:r>
               <a:rPr lang="en-US" dirty="0" smtClean="0"/>
-              <a:t>1);    </a:t>
-            </a:r>
+              <a:t>1);  </a:t>
+            </a:r>
+            <a:r>
+              <a:rPr lang="en-US" dirty="0" smtClean="0"/>
+              <a:t>//to get </a:t>
+            </a:r>
+            <a:r>
+              <a:rPr lang="en-US" smtClean="0"/>
+              <a:t>element position  </a:t>
+            </a:r>
+            <a:endParaRPr lang="en-US" dirty="0" smtClean="0"/>
           </a:p>
           <a:p>
             <a:pPr marL="722376" lvl="2" indent="0">

--- a/PPT/string.pptx
+++ b/PPT/string.pptx
@@ -3987,7 +3987,7 @@
         <p:spPr/>
         <p:txBody>
           <a:bodyPr>
-            <a:normAutofit/>
+            <a:normAutofit fontScale="85000" lnSpcReduction="20000"/>
           </a:bodyPr>
           <a:lstStyle/>
           <a:p>
@@ -4090,8 +4090,169 @@
             </a:r>
             <a:r>
               <a:rPr lang="en-US" sz="2000" dirty="0" smtClean="0"/>
-              <a:t>("%s ",j);  //o/p</a:t>
-            </a:r>
+              <a:t>("%s ",j);  //</a:t>
+            </a:r>
+            <a:r>
+              <a:rPr lang="en-US" sz="2000" dirty="0" smtClean="0"/>
+              <a:t>o/p</a:t>
+            </a:r>
+          </a:p>
+          <a:p>
+            <a:pPr marL="585216" lvl="1" indent="0">
+              <a:buNone/>
+            </a:pPr>
+            <a:endParaRPr lang="en-US" sz="2000" dirty="0"/>
+          </a:p>
+          <a:p>
+            <a:pPr marL="585216" lvl="1" indent="0">
+              <a:buNone/>
+            </a:pPr>
+            <a:r>
+              <a:rPr lang="en-US" sz="2000" dirty="0" smtClean="0"/>
+              <a:t>	char </a:t>
+            </a:r>
+            <a:r>
+              <a:rPr lang="en-US" sz="2000" dirty="0"/>
+              <a:t>* </a:t>
+            </a:r>
+            <a:r>
+              <a:rPr lang="en-US" sz="2000" dirty="0" err="1"/>
+              <a:t>msg</a:t>
+            </a:r>
+            <a:r>
+              <a:rPr lang="en-US" sz="2000" dirty="0"/>
+              <a:t>[3</a:t>
+            </a:r>
+            <a:r>
+              <a:rPr lang="en-US" sz="2000" dirty="0" smtClean="0"/>
+              <a:t>];</a:t>
+            </a:r>
+          </a:p>
+          <a:p>
+            <a:pPr marL="585216" lvl="1" indent="0">
+              <a:buNone/>
+            </a:pPr>
+            <a:r>
+              <a:rPr lang="en-US" sz="2000" dirty="0" smtClean="0"/>
+              <a:t>	</a:t>
+            </a:r>
+            <a:r>
+              <a:rPr lang="en-US" sz="2000" dirty="0" err="1" smtClean="0"/>
+              <a:t>scanf</a:t>
+            </a:r>
+            <a:r>
+              <a:rPr lang="en-US" sz="2000" dirty="0"/>
+              <a:t>("%s",</a:t>
+            </a:r>
+            <a:r>
+              <a:rPr lang="en-US" sz="2000" dirty="0" err="1"/>
+              <a:t>msg</a:t>
+            </a:r>
+            <a:r>
+              <a:rPr lang="en-US" sz="2000" dirty="0"/>
+              <a:t>[2</a:t>
+            </a:r>
+            <a:r>
+              <a:rPr lang="en-US" sz="2000" dirty="0" smtClean="0"/>
+              <a:t>]);</a:t>
+            </a:r>
+            <a:r>
+              <a:rPr lang="pt-BR" sz="2000" dirty="0"/>
+              <a:t> </a:t>
+            </a:r>
+            <a:endParaRPr lang="pt-BR" sz="2000" dirty="0" smtClean="0"/>
+          </a:p>
+          <a:p>
+            <a:pPr marL="585216" lvl="1" indent="0">
+              <a:buNone/>
+            </a:pPr>
+            <a:r>
+              <a:rPr lang="en-US" sz="2000" dirty="0" smtClean="0"/>
+              <a:t>     </a:t>
+            </a:r>
+            <a:r>
+              <a:rPr lang="en-US" sz="2000" dirty="0" err="1" smtClean="0"/>
+              <a:t>printf</a:t>
+            </a:r>
+            <a:r>
+              <a:rPr lang="en-US" sz="2000" dirty="0"/>
+              <a:t>("%s",</a:t>
+            </a:r>
+            <a:r>
+              <a:rPr lang="en-US" sz="2000" dirty="0" err="1"/>
+              <a:t>msg</a:t>
+            </a:r>
+            <a:r>
+              <a:rPr lang="en-US" sz="2000" dirty="0"/>
+              <a:t>[2]);</a:t>
+            </a:r>
+          </a:p>
+          <a:p>
+            <a:pPr marL="585216" lvl="1" indent="0">
+              <a:buNone/>
+            </a:pPr>
+            <a:endParaRPr lang="pt-BR" sz="2000" dirty="0" smtClean="0"/>
+          </a:p>
+          <a:p>
+            <a:pPr marL="585216" lvl="1" indent="0">
+              <a:buNone/>
+            </a:pPr>
+            <a:r>
+              <a:rPr lang="pt-BR" sz="2000" dirty="0" smtClean="0"/>
+              <a:t>//scanf</a:t>
+            </a:r>
+            <a:r>
+              <a:rPr lang="pt-BR" sz="2000" dirty="0"/>
+              <a:t>("%s",*(msg+2</a:t>
+            </a:r>
+            <a:r>
+              <a:rPr lang="pt-BR" sz="2000" dirty="0" smtClean="0"/>
+              <a:t>));//how</a:t>
+            </a:r>
+          </a:p>
+          <a:p>
+            <a:pPr marL="585216" lvl="1" indent="0">
+              <a:buNone/>
+            </a:pPr>
+            <a:r>
+              <a:rPr lang="pt-BR" sz="2000" dirty="0" smtClean="0"/>
+              <a:t>//printf</a:t>
+            </a:r>
+            <a:r>
+              <a:rPr lang="pt-BR" sz="2000" dirty="0"/>
+              <a:t>("\</a:t>
+            </a:r>
+            <a:r>
+              <a:rPr lang="pt-BR" sz="2000" dirty="0" smtClean="0"/>
+              <a:t>n%s",*(msg+2));//how</a:t>
+            </a:r>
+            <a:endParaRPr lang="en-US" sz="2000" dirty="0"/>
+          </a:p>
+          <a:p>
+            <a:pPr marL="585216" lvl="1" indent="0">
+              <a:buNone/>
+            </a:pPr>
+            <a:r>
+              <a:rPr lang="pt-BR" sz="2000" dirty="0" smtClean="0"/>
+              <a:t>//printf</a:t>
+            </a:r>
+            <a:r>
+              <a:rPr lang="pt-BR" sz="2000" dirty="0"/>
+              <a:t>("\n%c",*msg[2</a:t>
+            </a:r>
+            <a:r>
+              <a:rPr lang="pt-BR" sz="2000" dirty="0" smtClean="0"/>
+              <a:t>]);//</a:t>
+            </a:r>
+            <a:r>
+              <a:rPr lang="pt-BR" sz="2000" smtClean="0"/>
+              <a:t>’h’</a:t>
+            </a:r>
+          </a:p>
+          <a:p>
+            <a:pPr marL="585216" lvl="1" indent="0">
+              <a:buNone/>
+            </a:pPr>
             <a:endParaRPr lang="en-US" sz="2000" dirty="0"/>
           </a:p>
           <a:p>
@@ -5936,11 +6097,7 @@
             </a:r>
             <a:r>
               <a:rPr lang="en-US" dirty="0" smtClean="0"/>
-              <a:t>//to get </a:t>
-            </a:r>
-            <a:r>
-              <a:rPr lang="en-US" smtClean="0"/>
-              <a:t>element position  </a:t>
+              <a:t>//to get element position  </a:t>
             </a:r>
             <a:endParaRPr lang="en-US" dirty="0" smtClean="0"/>
           </a:p>

--- a/PPT/string.pptx
+++ b/PPT/string.pptx
@@ -5,7 +5,7 @@
     <p:sldMasterId id="2147483660" r:id="rId1"/>
   </p:sldMasterIdLst>
   <p:notesMasterIdLst>
-    <p:notesMasterId r:id="rId12"/>
+    <p:notesMasterId r:id="rId13"/>
   </p:notesMasterIdLst>
   <p:sldIdLst>
     <p:sldId id="256" r:id="rId2"/>
@@ -18,6 +18,7 @@
     <p:sldId id="264" r:id="rId9"/>
     <p:sldId id="265" r:id="rId10"/>
     <p:sldId id="263" r:id="rId11"/>
+    <p:sldId id="266" r:id="rId12"/>
   </p:sldIdLst>
   <p:sldSz cx="9144000" cy="6858000" type="screen4x3"/>
   <p:notesSz cx="6858000" cy="9144000"/>
@@ -3748,6 +3749,106 @@
 </p:sld>
 </file>
 
+<file path=ppt/slides/slide11.xml><?xml version="1.0" encoding="utf-8"?>
+<p:sld xmlns:a="http://schemas.openxmlformats.org/drawingml/2006/main" xmlns:r="http://schemas.openxmlformats.org/officeDocument/2006/relationships" xmlns:p="http://schemas.openxmlformats.org/presentationml/2006/main">
+  <p:cSld>
+    <p:spTree>
+      <p:nvGrpSpPr>
+        <p:cNvPr id="1" name=""/>
+        <p:cNvGrpSpPr/>
+        <p:nvPr/>
+      </p:nvGrpSpPr>
+      <p:grpSpPr>
+        <a:xfrm>
+          <a:off x="0" y="0"/>
+          <a:ext cx="0" cy="0"/>
+          <a:chOff x="0" y="0"/>
+          <a:chExt cx="0" cy="0"/>
+        </a:xfrm>
+      </p:grpSpPr>
+      <p:sp>
+        <p:nvSpPr>
+          <p:cNvPr id="2" name="Title 1"/>
+          <p:cNvSpPr>
+            <a:spLocks noGrp="1"/>
+          </p:cNvSpPr>
+          <p:nvPr>
+            <p:ph type="title"/>
+          </p:nvPr>
+        </p:nvSpPr>
+        <p:spPr/>
+        <p:txBody>
+          <a:bodyPr/>
+          <a:lstStyle/>
+          <a:p>
+            <a:r>
+              <a:rPr lang="en-US" dirty="0" smtClean="0"/>
+              <a:t>task</a:t>
+            </a:r>
+            <a:endParaRPr lang="en-US" dirty="0"/>
+          </a:p>
+        </p:txBody>
+      </p:sp>
+      <p:sp>
+        <p:nvSpPr>
+          <p:cNvPr id="3" name="Content Placeholder 2"/>
+          <p:cNvSpPr>
+            <a:spLocks noGrp="1"/>
+          </p:cNvSpPr>
+          <p:nvPr>
+            <p:ph idx="1"/>
+          </p:nvPr>
+        </p:nvSpPr>
+        <p:spPr/>
+        <p:txBody>
+          <a:bodyPr/>
+          <a:lstStyle/>
+          <a:p>
+            <a:r>
+              <a:rPr lang="en-US" dirty="0" smtClean="0"/>
+              <a:t>Check balance and unbalance parenthesis</a:t>
+            </a:r>
+          </a:p>
+          <a:p>
+            <a:r>
+              <a:rPr lang="en-US" dirty="0" smtClean="0"/>
+              <a:t>Equations solve </a:t>
+            </a:r>
+          </a:p>
+          <a:p>
+            <a:r>
+              <a:rPr lang="en-US" dirty="0" smtClean="0"/>
+              <a:t>String parsing</a:t>
+            </a:r>
+          </a:p>
+          <a:p>
+            <a:r>
+              <a:rPr lang="en-US" dirty="0" smtClean="0"/>
+              <a:t>Number extractions</a:t>
+            </a:r>
+          </a:p>
+          <a:p>
+            <a:r>
+              <a:rPr lang="en-US" dirty="0" smtClean="0"/>
+              <a:t>Vowels extraction</a:t>
+            </a:r>
+            <a:endParaRPr lang="en-US" dirty="0"/>
+          </a:p>
+        </p:txBody>
+      </p:sp>
+    </p:spTree>
+    <p:extLst>
+      <p:ext uri="{BB962C8B-B14F-4D97-AF65-F5344CB8AC3E}">
+        <p14:creationId xmlns:p14="http://schemas.microsoft.com/office/powerpoint/2010/main" val="3930090713"/>
+      </p:ext>
+    </p:extLst>
+  </p:cSld>
+  <p:clrMapOvr>
+    <a:masterClrMapping/>
+  </p:clrMapOvr>
+</p:sld>
+</file>
+
 <file path=ppt/slides/slide2.xml><?xml version="1.0" encoding="utf-8"?>
 <p:sld xmlns:a="http://schemas.openxmlformats.org/drawingml/2006/main" xmlns:r="http://schemas.openxmlformats.org/officeDocument/2006/relationships" xmlns:p="http://schemas.openxmlformats.org/presentationml/2006/main">
   <p:cSld>
@@ -3987,7 +4088,7 @@
         <p:spPr/>
         <p:txBody>
           <a:bodyPr>
-            <a:normAutofit fontScale="85000" lnSpcReduction="20000"/>
+            <a:normAutofit fontScale="77500" lnSpcReduction="20000"/>
           </a:bodyPr>
           <a:lstStyle/>
           <a:p>
@@ -4242,12 +4343,14 @@
             </a:r>
             <a:r>
               <a:rPr lang="pt-BR" sz="2000" dirty="0" smtClean="0"/>
-              <a:t>]);//</a:t>
-            </a:r>
-            <a:r>
-              <a:rPr lang="pt-BR" sz="2000" smtClean="0"/>
-              <a:t>’h’</a:t>
-            </a:r>
+              <a:t>]);//’h’</a:t>
+            </a:r>
+          </a:p>
+          <a:p>
+            <a:pPr marL="585216" lvl="1" indent="0">
+              <a:buNone/>
+            </a:pPr>
+            <a:endParaRPr lang="pt-BR" sz="2000" dirty="0" smtClean="0"/>
           </a:p>
           <a:p>
             <a:pPr marL="585216" lvl="1" indent="0">
@@ -4340,7 +4443,7 @@
         <p:spPr/>
         <p:txBody>
           <a:bodyPr>
-            <a:normAutofit lnSpcReduction="10000"/>
+            <a:normAutofit fontScale="92500" lnSpcReduction="20000"/>
           </a:bodyPr>
           <a:lstStyle/>
           <a:p>
@@ -4478,8 +4581,14 @@
               <a:rPr lang="en-US" sz="2400" dirty="0"/>
               <a:t> using array    </a:t>
             </a:r>
-            <a:r>
-              <a:rPr lang="en-US" sz="2400" dirty="0" err="1"/>
+            <a:endParaRPr lang="en-US" sz="2400" dirty="0" smtClean="0"/>
+          </a:p>
+          <a:p>
+            <a:pPr marL="137160" indent="0">
+              <a:buNone/>
+            </a:pPr>
+            <a:r>
+              <a:rPr lang="en-US" sz="2400" dirty="0" err="1" smtClean="0"/>
               <a:t>printf</a:t>
             </a:r>
             <a:r>
@@ -4510,6 +4619,36 @@
               <a:rPr lang="en-US" sz="2400" dirty="0" err="1" smtClean="0"/>
               <a:t>ptr</a:t>
             </a:r>
+            <a:endParaRPr lang="en-US" sz="2400" dirty="0" smtClean="0"/>
+          </a:p>
+          <a:p>
+            <a:pPr marL="137160" lvl="1" indent="0">
+              <a:buClr>
+                <a:schemeClr val="tx1">
+                  <a:shade val="95000"/>
+                </a:schemeClr>
+              </a:buClr>
+              <a:buSzPct val="65000"/>
+              <a:buNone/>
+            </a:pPr>
+            <a:r>
+              <a:rPr lang="pt-BR" sz="2000" dirty="0"/>
+              <a:t>//printf("\</a:t>
+            </a:r>
+            <a:r>
+              <a:rPr lang="pt-BR" sz="2000"/>
+              <a:t>n%c</a:t>
+            </a:r>
+            <a:r>
+              <a:rPr lang="pt-BR" sz="2000" smtClean="0"/>
+              <a:t>",*(*(j+1)+1));//’i’</a:t>
+            </a:r>
+            <a:endParaRPr lang="pt-BR" sz="2000" dirty="0"/>
+          </a:p>
+          <a:p>
+            <a:pPr marL="137160" indent="0">
+              <a:buNone/>
+            </a:pPr>
             <a:endParaRPr lang="en-US" sz="2400" dirty="0" smtClean="0"/>
           </a:p>
           <a:p>

--- a/PPT/string.pptx
+++ b/PPT/string.pptx
@@ -202,7 +202,7 @@
           <a:p>
             <a:fld id="{C1B8E64C-0EDD-4C93-95A2-E8C52A5645D1}" type="datetimeFigureOut">
               <a:rPr lang="en-US" smtClean="0"/>
-              <a:t>18-Nov-20</a:t>
+              <a:t>30-Nov-20</a:t>
             </a:fld>
             <a:endParaRPr lang="en-US"/>
           </a:p>
@@ -582,7 +582,7 @@
             <a:fld id="{1D8BD707-D9CF-40AE-B4C6-C98DA3205C09}" type="datetimeFigureOut">
               <a:rPr lang="en-US" smtClean="0"/>
               <a:pPr/>
-              <a:t>18-Nov-20</a:t>
+              <a:t>30-Nov-20</a:t>
             </a:fld>
             <a:endParaRPr lang="en-US"/>
           </a:p>
@@ -810,7 +810,7 @@
             <a:fld id="{1D8BD707-D9CF-40AE-B4C6-C98DA3205C09}" type="datetimeFigureOut">
               <a:rPr lang="en-US" smtClean="0"/>
               <a:pPr/>
-              <a:t>18-Nov-20</a:t>
+              <a:t>30-Nov-20</a:t>
             </a:fld>
             <a:endParaRPr lang="en-US"/>
           </a:p>
@@ -987,7 +987,7 @@
             <a:fld id="{1D8BD707-D9CF-40AE-B4C6-C98DA3205C09}" type="datetimeFigureOut">
               <a:rPr lang="en-US" smtClean="0"/>
               <a:pPr/>
-              <a:t>18-Nov-20</a:t>
+              <a:t>30-Nov-20</a:t>
             </a:fld>
             <a:endParaRPr lang="en-US"/>
           </a:p>
@@ -1154,7 +1154,7 @@
             <a:fld id="{1D8BD707-D9CF-40AE-B4C6-C98DA3205C09}" type="datetimeFigureOut">
               <a:rPr lang="en-US" smtClean="0"/>
               <a:pPr/>
-              <a:t>18-Nov-20</a:t>
+              <a:t>30-Nov-20</a:t>
             </a:fld>
             <a:endParaRPr lang="en-US"/>
           </a:p>
@@ -1400,7 +1400,7 @@
             <a:fld id="{1D8BD707-D9CF-40AE-B4C6-C98DA3205C09}" type="datetimeFigureOut">
               <a:rPr lang="en-US" smtClean="0"/>
               <a:pPr/>
-              <a:t>18-Nov-20</a:t>
+              <a:t>30-Nov-20</a:t>
             </a:fld>
             <a:endParaRPr lang="en-US"/>
           </a:p>
@@ -1666,7 +1666,7 @@
             <a:fld id="{1D8BD707-D9CF-40AE-B4C6-C98DA3205C09}" type="datetimeFigureOut">
               <a:rPr lang="en-US" smtClean="0"/>
               <a:pPr/>
-              <a:t>18-Nov-20</a:t>
+              <a:t>30-Nov-20</a:t>
             </a:fld>
             <a:endParaRPr lang="en-US"/>
           </a:p>
@@ -2042,7 +2042,7 @@
             <a:fld id="{1D8BD707-D9CF-40AE-B4C6-C98DA3205C09}" type="datetimeFigureOut">
               <a:rPr lang="en-US" smtClean="0"/>
               <a:pPr/>
-              <a:t>18-Nov-20</a:t>
+              <a:t>30-Nov-20</a:t>
             </a:fld>
             <a:endParaRPr lang="en-US"/>
           </a:p>
@@ -2157,7 +2157,7 @@
             <a:fld id="{1D8BD707-D9CF-40AE-B4C6-C98DA3205C09}" type="datetimeFigureOut">
               <a:rPr lang="en-US" smtClean="0"/>
               <a:pPr/>
-              <a:t>18-Nov-20</a:t>
+              <a:t>30-Nov-20</a:t>
             </a:fld>
             <a:endParaRPr lang="en-US"/>
           </a:p>
@@ -2249,7 +2249,7 @@
             <a:fld id="{1D8BD707-D9CF-40AE-B4C6-C98DA3205C09}" type="datetimeFigureOut">
               <a:rPr lang="en-US" smtClean="0"/>
               <a:pPr/>
-              <a:t>18-Nov-20</a:t>
+              <a:t>30-Nov-20</a:t>
             </a:fld>
             <a:endParaRPr lang="en-US"/>
           </a:p>
@@ -2509,7 +2509,7 @@
             <a:fld id="{1D8BD707-D9CF-40AE-B4C6-C98DA3205C09}" type="datetimeFigureOut">
               <a:rPr lang="en-US" smtClean="0"/>
               <a:pPr/>
-              <a:t>18-Nov-20</a:t>
+              <a:t>30-Nov-20</a:t>
             </a:fld>
             <a:endParaRPr lang="en-US"/>
           </a:p>
@@ -2775,7 +2775,7 @@
             <a:fld id="{1D8BD707-D9CF-40AE-B4C6-C98DA3205C09}" type="datetimeFigureOut">
               <a:rPr lang="en-US" smtClean="0"/>
               <a:pPr/>
-              <a:t>18-Nov-20</a:t>
+              <a:t>30-Nov-20</a:t>
             </a:fld>
             <a:endParaRPr lang="en-US"/>
           </a:p>
@@ -2994,7 +2994,7 @@
             <a:fld id="{1D8BD707-D9CF-40AE-B4C6-C98DA3205C09}" type="datetimeFigureOut">
               <a:rPr lang="en-US" smtClean="0"/>
               <a:pPr/>
-              <a:t>18-Nov-20</a:t>
+              <a:t>30-Nov-20</a:t>
             </a:fld>
             <a:endParaRPr lang="en-US"/>
           </a:p>
@@ -3959,15 +3959,25 @@
             </a:r>
             <a:r>
               <a:rPr lang="en-US" dirty="0"/>
-              <a:t>a[]=“hello”</a:t>
-            </a:r>
+              <a:t>a[]=“hello</a:t>
+            </a:r>
+            <a:r>
+              <a:rPr lang="en-US" dirty="0" smtClean="0"/>
+              <a:t>”;</a:t>
+            </a:r>
+            <a:endParaRPr lang="en-US" dirty="0"/>
           </a:p>
           <a:p>
             <a:pPr lvl="1"/>
             <a:r>
               <a:rPr lang="en-US" dirty="0" smtClean="0"/>
-              <a:t>Char *a=“hello</a:t>
-            </a:r>
+              <a:t>Char *a=“</a:t>
+            </a:r>
+            <a:r>
+              <a:rPr lang="en-US" dirty="0" smtClean="0"/>
+              <a:t>hello”;</a:t>
+            </a:r>
+            <a:endParaRPr lang="en-US" dirty="0" smtClean="0"/>
           </a:p>
           <a:p>
             <a:r>
@@ -3996,7 +4006,7 @@
             </a:r>
             <a:r>
               <a:rPr lang="en-US" dirty="0" smtClean="0"/>
-              <a:t>”}</a:t>
+              <a:t>”};</a:t>
             </a:r>
             <a:endParaRPr lang="en-US" dirty="0"/>
           </a:p>
@@ -4015,8 +4025,8 @@
               <a:t>hello”,”hi</a:t>
             </a:r>
             <a:r>
-              <a:rPr lang="en-US" dirty="0" smtClean="0"/>
-              <a:t>”}</a:t>
+              <a:rPr lang="en-US" smtClean="0"/>
+              <a:t>”};</a:t>
             </a:r>
             <a:endParaRPr lang="en-US" dirty="0"/>
           </a:p>
@@ -4147,13 +4157,8 @@
             </a:r>
             <a:r>
               <a:rPr lang="en-US" sz="2000" dirty="0" smtClean="0"/>
-              <a:t>);  // </a:t>
-            </a:r>
-            <a:r>
-              <a:rPr lang="en-US" sz="2000" dirty="0" smtClean="0"/>
-              <a:t>i/p, get input until enter new line</a:t>
-            </a:r>
-            <a:endParaRPr lang="en-US" sz="2000" dirty="0" smtClean="0"/>
+              <a:t>);  // i/p, get input until enter new line</a:t>
+            </a:r>
           </a:p>
           <a:p>
             <a:pPr marL="585216" lvl="1" indent="0">
@@ -4191,11 +4196,7 @@
             </a:r>
             <a:r>
               <a:rPr lang="en-US" sz="2000" dirty="0" smtClean="0"/>
-              <a:t>("%s ",j);  //</a:t>
-            </a:r>
-            <a:r>
-              <a:rPr lang="en-US" sz="2000" dirty="0" smtClean="0"/>
-              <a:t>o/p</a:t>
+              <a:t>("%s ",j);  //o/p</a:t>
             </a:r>
           </a:p>
           <a:p>
@@ -6232,13 +6233,8 @@
             </a:r>
             <a:r>
               <a:rPr lang="en-US" dirty="0" smtClean="0"/>
-              <a:t>1);  </a:t>
-            </a:r>
-            <a:r>
-              <a:rPr lang="en-US" dirty="0" smtClean="0"/>
-              <a:t>//to get element position  </a:t>
-            </a:r>
-            <a:endParaRPr lang="en-US" dirty="0" smtClean="0"/>
+              <a:t>1);  //to get element position  </a:t>
+            </a:r>
           </a:p>
           <a:p>
             <a:pPr marL="722376" lvl="2" indent="0">
